--- a/MoneusNet.pptx
+++ b/MoneusNet.pptx
@@ -104,6 +104,11 @@
       </a:defRPr>
     </a:lvl9pPr>
   </p:defaultTextStyle>
+  <p:extLst>
+    <p:ext uri="{EFAFB233-063F-42B5-8137-9DF3F51BA10A}">
+      <p15:sldGuideLst xmlns:p15="http://schemas.microsoft.com/office/powerpoint/2012/main"/>
+    </p:ext>
+  </p:extLst>
 </p:presentation>
 </file>
 
@@ -666,7 +671,7 @@
           <a:p>
             <a:fld id="{5ECC5641-7696-48DB-BBDF-BF074CC61C6D}" type="datetimeFigureOut">
               <a:rPr lang="en-US" smtClean="0"/>
-              <a:t>10/23/2025</a:t>
+              <a:t>10/24/2025</a:t>
             </a:fld>
             <a:endParaRPr lang="en-US"/>
           </a:p>
@@ -864,7 +869,7 @@
           <a:p>
             <a:fld id="{5ECC5641-7696-48DB-BBDF-BF074CC61C6D}" type="datetimeFigureOut">
               <a:rPr lang="en-US" smtClean="0"/>
-              <a:t>10/23/2025</a:t>
+              <a:t>10/24/2025</a:t>
             </a:fld>
             <a:endParaRPr lang="en-US"/>
           </a:p>
@@ -1072,7 +1077,7 @@
           <a:p>
             <a:fld id="{5ECC5641-7696-48DB-BBDF-BF074CC61C6D}" type="datetimeFigureOut">
               <a:rPr lang="en-US" smtClean="0"/>
-              <a:t>10/23/2025</a:t>
+              <a:t>10/24/2025</a:t>
             </a:fld>
             <a:endParaRPr lang="en-US"/>
           </a:p>
@@ -1270,7 +1275,7 @@
           <a:p>
             <a:fld id="{5ECC5641-7696-48DB-BBDF-BF074CC61C6D}" type="datetimeFigureOut">
               <a:rPr lang="en-US" smtClean="0"/>
-              <a:t>10/23/2025</a:t>
+              <a:t>10/24/2025</a:t>
             </a:fld>
             <a:endParaRPr lang="en-US"/>
           </a:p>
@@ -1545,7 +1550,7 @@
           <a:p>
             <a:fld id="{5ECC5641-7696-48DB-BBDF-BF074CC61C6D}" type="datetimeFigureOut">
               <a:rPr lang="en-US" smtClean="0"/>
-              <a:t>10/23/2025</a:t>
+              <a:t>10/24/2025</a:t>
             </a:fld>
             <a:endParaRPr lang="en-US"/>
           </a:p>
@@ -1810,7 +1815,7 @@
           <a:p>
             <a:fld id="{5ECC5641-7696-48DB-BBDF-BF074CC61C6D}" type="datetimeFigureOut">
               <a:rPr lang="en-US" smtClean="0"/>
-              <a:t>10/23/2025</a:t>
+              <a:t>10/24/2025</a:t>
             </a:fld>
             <a:endParaRPr lang="en-US"/>
           </a:p>
@@ -2222,7 +2227,7 @@
           <a:p>
             <a:fld id="{5ECC5641-7696-48DB-BBDF-BF074CC61C6D}" type="datetimeFigureOut">
               <a:rPr lang="en-US" smtClean="0"/>
-              <a:t>10/23/2025</a:t>
+              <a:t>10/24/2025</a:t>
             </a:fld>
             <a:endParaRPr lang="en-US"/>
           </a:p>
@@ -2363,7 +2368,7 @@
           <a:p>
             <a:fld id="{5ECC5641-7696-48DB-BBDF-BF074CC61C6D}" type="datetimeFigureOut">
               <a:rPr lang="en-US" smtClean="0"/>
-              <a:t>10/23/2025</a:t>
+              <a:t>10/24/2025</a:t>
             </a:fld>
             <a:endParaRPr lang="en-US"/>
           </a:p>
@@ -2476,7 +2481,7 @@
           <a:p>
             <a:fld id="{5ECC5641-7696-48DB-BBDF-BF074CC61C6D}" type="datetimeFigureOut">
               <a:rPr lang="en-US" smtClean="0"/>
-              <a:t>10/23/2025</a:t>
+              <a:t>10/24/2025</a:t>
             </a:fld>
             <a:endParaRPr lang="en-US"/>
           </a:p>
@@ -2787,7 +2792,7 @@
           <a:p>
             <a:fld id="{5ECC5641-7696-48DB-BBDF-BF074CC61C6D}" type="datetimeFigureOut">
               <a:rPr lang="en-US" smtClean="0"/>
-              <a:t>10/23/2025</a:t>
+              <a:t>10/24/2025</a:t>
             </a:fld>
             <a:endParaRPr lang="en-US"/>
           </a:p>
@@ -3075,7 +3080,7 @@
           <a:p>
             <a:fld id="{5ECC5641-7696-48DB-BBDF-BF074CC61C6D}" type="datetimeFigureOut">
               <a:rPr lang="en-US" smtClean="0"/>
-              <a:t>10/23/2025</a:t>
+              <a:t>10/24/2025</a:t>
             </a:fld>
             <a:endParaRPr lang="en-US"/>
           </a:p>
@@ -3388,7 +3393,7 @@
           <a:p>
             <a:fld id="{5ECC5641-7696-48DB-BBDF-BF074CC61C6D}" type="datetimeFigureOut">
               <a:rPr lang="en-US" smtClean="0"/>
-              <a:t>10/23/2025</a:t>
+              <a:t>10/24/2025</a:t>
             </a:fld>
             <a:endParaRPr lang="en-US"/>
           </a:p>
@@ -5272,10 +5277,9 @@
           </a:lstStyle>
           <a:p>
             <a:r>
-              <a:rPr lang="en-US"/>
+              <a:rPr lang="en-US" dirty="0"/>
               <a:t>HTTPS tunnel</a:t>
             </a:r>
-            <a:endParaRPr lang="en-US" dirty="0"/>
           </a:p>
         </p:txBody>
       </p:sp>
@@ -5456,6 +5460,94 @@
           </a:fontRef>
         </p:style>
       </p:cxnSp>
+      <p:cxnSp>
+        <p:nvCxnSpPr>
+          <p:cNvPr id="7" name="Straight Arrow Connector 6">
+            <a:extLst>
+              <a:ext uri="{FF2B5EF4-FFF2-40B4-BE49-F238E27FC236}">
+                <a16:creationId xmlns:a16="http://schemas.microsoft.com/office/drawing/2014/main" id="{CC965F22-8FBC-3EA9-6252-A6CC3CB9217E}"/>
+              </a:ext>
+            </a:extLst>
+          </p:cNvPr>
+          <p:cNvCxnSpPr>
+            <a:cxnSpLocks/>
+          </p:cNvCxnSpPr>
+          <p:nvPr/>
+        </p:nvCxnSpPr>
+        <p:spPr>
+          <a:xfrm>
+            <a:off x="2235059" y="2365374"/>
+            <a:ext cx="0" cy="1722439"/>
+          </a:xfrm>
+          <a:prstGeom prst="straightConnector1">
+            <a:avLst/>
+          </a:prstGeom>
+          <a:ln>
+            <a:headEnd type="triangle"/>
+            <a:tailEnd type="triangle"/>
+          </a:ln>
+        </p:spPr>
+        <p:style>
+          <a:lnRef idx="3">
+            <a:schemeClr val="accent6"/>
+          </a:lnRef>
+          <a:fillRef idx="0">
+            <a:schemeClr val="accent6"/>
+          </a:fillRef>
+          <a:effectRef idx="2">
+            <a:schemeClr val="accent6"/>
+          </a:effectRef>
+          <a:fontRef idx="minor">
+            <a:schemeClr val="tx1"/>
+          </a:fontRef>
+        </p:style>
+      </p:cxnSp>
+      <p:sp>
+        <p:nvSpPr>
+          <p:cNvPr id="26" name="TextBox 25">
+            <a:extLst>
+              <a:ext uri="{FF2B5EF4-FFF2-40B4-BE49-F238E27FC236}">
+                <a16:creationId xmlns:a16="http://schemas.microsoft.com/office/drawing/2014/main" id="{99717898-11C0-2040-C913-7061B73EE88D}"/>
+              </a:ext>
+            </a:extLst>
+          </p:cNvPr>
+          <p:cNvSpPr txBox="1"/>
+          <p:nvPr/>
+        </p:nvSpPr>
+        <p:spPr>
+          <a:xfrm>
+            <a:off x="1247761" y="3043836"/>
+            <a:ext cx="1015980" cy="276999"/>
+          </a:xfrm>
+          <a:prstGeom prst="rect">
+            <a:avLst/>
+          </a:prstGeom>
+          <a:noFill/>
+        </p:spPr>
+        <p:txBody>
+          <a:bodyPr wrap="square" rtlCol="0">
+            <a:spAutoFit/>
+          </a:bodyPr>
+          <a:lstStyle>
+            <a:defPPr>
+              <a:defRPr lang="en-US"/>
+            </a:defPPr>
+            <a:lvl1pPr>
+              <a:defRPr sz="1200">
+                <a:solidFill>
+                  <a:srgbClr val="FFFF00"/>
+                </a:solidFill>
+              </a:defRPr>
+            </a:lvl1pPr>
+          </a:lstStyle>
+          <a:p>
+            <a:r>
+              <a:rPr lang="en-US" dirty="0"/>
+              <a:t>Other traffic</a:t>
+            </a:r>
+          </a:p>
+        </p:txBody>
+      </p:sp>
     </p:spTree>
     <p:extLst>
       <p:ext uri="{BB962C8B-B14F-4D97-AF65-F5344CB8AC3E}">

--- a/MoneusNet.pptx
+++ b/MoneusNet.pptx
@@ -671,7 +671,7 @@
           <a:p>
             <a:fld id="{5ECC5641-7696-48DB-BBDF-BF074CC61C6D}" type="datetimeFigureOut">
               <a:rPr lang="en-US" smtClean="0"/>
-              <a:t>10/24/2025</a:t>
+              <a:t>10/27/2025</a:t>
             </a:fld>
             <a:endParaRPr lang="en-US"/>
           </a:p>
@@ -869,7 +869,7 @@
           <a:p>
             <a:fld id="{5ECC5641-7696-48DB-BBDF-BF074CC61C6D}" type="datetimeFigureOut">
               <a:rPr lang="en-US" smtClean="0"/>
-              <a:t>10/24/2025</a:t>
+              <a:t>10/27/2025</a:t>
             </a:fld>
             <a:endParaRPr lang="en-US"/>
           </a:p>
@@ -1077,7 +1077,7 @@
           <a:p>
             <a:fld id="{5ECC5641-7696-48DB-BBDF-BF074CC61C6D}" type="datetimeFigureOut">
               <a:rPr lang="en-US" smtClean="0"/>
-              <a:t>10/24/2025</a:t>
+              <a:t>10/27/2025</a:t>
             </a:fld>
             <a:endParaRPr lang="en-US"/>
           </a:p>
@@ -1275,7 +1275,7 @@
           <a:p>
             <a:fld id="{5ECC5641-7696-48DB-BBDF-BF074CC61C6D}" type="datetimeFigureOut">
               <a:rPr lang="en-US" smtClean="0"/>
-              <a:t>10/24/2025</a:t>
+              <a:t>10/27/2025</a:t>
             </a:fld>
             <a:endParaRPr lang="en-US"/>
           </a:p>
@@ -1550,7 +1550,7 @@
           <a:p>
             <a:fld id="{5ECC5641-7696-48DB-BBDF-BF074CC61C6D}" type="datetimeFigureOut">
               <a:rPr lang="en-US" smtClean="0"/>
-              <a:t>10/24/2025</a:t>
+              <a:t>10/27/2025</a:t>
             </a:fld>
             <a:endParaRPr lang="en-US"/>
           </a:p>
@@ -1815,7 +1815,7 @@
           <a:p>
             <a:fld id="{5ECC5641-7696-48DB-BBDF-BF074CC61C6D}" type="datetimeFigureOut">
               <a:rPr lang="en-US" smtClean="0"/>
-              <a:t>10/24/2025</a:t>
+              <a:t>10/27/2025</a:t>
             </a:fld>
             <a:endParaRPr lang="en-US"/>
           </a:p>
@@ -2227,7 +2227,7 @@
           <a:p>
             <a:fld id="{5ECC5641-7696-48DB-BBDF-BF074CC61C6D}" type="datetimeFigureOut">
               <a:rPr lang="en-US" smtClean="0"/>
-              <a:t>10/24/2025</a:t>
+              <a:t>10/27/2025</a:t>
             </a:fld>
             <a:endParaRPr lang="en-US"/>
           </a:p>
@@ -2368,7 +2368,7 @@
           <a:p>
             <a:fld id="{5ECC5641-7696-48DB-BBDF-BF074CC61C6D}" type="datetimeFigureOut">
               <a:rPr lang="en-US" smtClean="0"/>
-              <a:t>10/24/2025</a:t>
+              <a:t>10/27/2025</a:t>
             </a:fld>
             <a:endParaRPr lang="en-US"/>
           </a:p>
@@ -2481,7 +2481,7 @@
           <a:p>
             <a:fld id="{5ECC5641-7696-48DB-BBDF-BF074CC61C6D}" type="datetimeFigureOut">
               <a:rPr lang="en-US" smtClean="0"/>
-              <a:t>10/24/2025</a:t>
+              <a:t>10/27/2025</a:t>
             </a:fld>
             <a:endParaRPr lang="en-US"/>
           </a:p>
@@ -2792,7 +2792,7 @@
           <a:p>
             <a:fld id="{5ECC5641-7696-48DB-BBDF-BF074CC61C6D}" type="datetimeFigureOut">
               <a:rPr lang="en-US" smtClean="0"/>
-              <a:t>10/24/2025</a:t>
+              <a:t>10/27/2025</a:t>
             </a:fld>
             <a:endParaRPr lang="en-US"/>
           </a:p>
@@ -3080,7 +3080,7 @@
           <a:p>
             <a:fld id="{5ECC5641-7696-48DB-BBDF-BF074CC61C6D}" type="datetimeFigureOut">
               <a:rPr lang="en-US" smtClean="0"/>
-              <a:t>10/24/2025</a:t>
+              <a:t>10/27/2025</a:t>
             </a:fld>
             <a:endParaRPr lang="en-US"/>
           </a:p>
@@ -3393,7 +3393,7 @@
           <a:p>
             <a:fld id="{5ECC5641-7696-48DB-BBDF-BF074CC61C6D}" type="datetimeFigureOut">
               <a:rPr lang="en-US" smtClean="0"/>
-              <a:t>10/24/2025</a:t>
+              <a:t>10/27/2025</a:t>
             </a:fld>
             <a:endParaRPr lang="en-US"/>
           </a:p>
@@ -3836,7 +3836,7 @@
             </p:custDataLst>
             <p:extLst>
               <p:ext uri="{D42A27DB-BD31-4B8C-83A1-F6EECF244321}">
-                <p14:modId xmlns:p14="http://schemas.microsoft.com/office/powerpoint/2010/main" val="136800808"/>
+                <p14:modId xmlns:p14="http://schemas.microsoft.com/office/powerpoint/2010/main" val="2110280159"/>
               </p:ext>
             </p:extLst>
           </p:nvPr>
@@ -3908,7 +3908,7 @@
         </p:nvSpPr>
         <p:spPr>
           <a:xfrm>
-            <a:off x="4263305" y="5208588"/>
+            <a:off x="4263305" y="4572321"/>
             <a:ext cx="1705301" cy="1011673"/>
           </a:xfrm>
           <a:prstGeom prst="cloud">
@@ -4824,8 +4824,8 @@
         </p:blipFill>
         <p:spPr bwMode="auto">
           <a:xfrm>
-            <a:off x="4481513" y="5110163"/>
-            <a:ext cx="1292225" cy="1292225"/>
+            <a:off x="4481513" y="4464050"/>
+            <a:ext cx="1292225" cy="1293813"/>
           </a:xfrm>
           <a:prstGeom prst="rect">
             <a:avLst/>
@@ -4855,8 +4855,8 @@
         </p:nvCxnSpPr>
         <p:spPr>
           <a:xfrm rot="10800000">
-            <a:off x="5773738" y="5756277"/>
-            <a:ext cx="788790" cy="228599"/>
+            <a:off x="5773738" y="5110957"/>
+            <a:ext cx="788790" cy="873918"/>
           </a:xfrm>
           <a:prstGeom prst="bentConnector3">
             <a:avLst>
@@ -4901,8 +4901,8 @@
         </p:nvCxnSpPr>
         <p:spPr>
           <a:xfrm rot="10800000" flipV="1">
-            <a:off x="3692159" y="5756275"/>
-            <a:ext cx="789354" cy="228599"/>
+            <a:off x="3692159" y="5110957"/>
+            <a:ext cx="789354" cy="873918"/>
           </a:xfrm>
           <a:prstGeom prst="bentConnector3">
             <a:avLst>
@@ -5069,7 +5069,7 @@
             <a:pPr algn="ctr"/>
             <a:r>
               <a:rPr lang="en-US" dirty="0"/>
-              <a:t>Network</a:t>
+              <a:t>LAN</a:t>
             </a:r>
           </a:p>
         </p:txBody>
@@ -5154,7 +5154,7 @@
                   <a:srgbClr val="FFFF00"/>
                 </a:solidFill>
               </a:rPr>
-              <a:t>MQTT over SSL</a:t>
+              <a:t>MQTT over TLS</a:t>
             </a:r>
           </a:p>
         </p:txBody>
@@ -5193,7 +5193,7 @@
                   <a:srgbClr val="FFFF00"/>
                 </a:solidFill>
               </a:rPr>
-              <a:t>MQTT over SSL</a:t>
+              <a:t>MQTT over TLS</a:t>
             </a:r>
           </a:p>
         </p:txBody>
@@ -5212,7 +5212,7 @@
         </p:nvSpPr>
         <p:spPr>
           <a:xfrm>
-            <a:off x="4508316" y="5339457"/>
+            <a:off x="4535120" y="4731951"/>
             <a:ext cx="1238617" cy="276999"/>
           </a:xfrm>
           <a:prstGeom prst="rect">
@@ -5232,7 +5232,7 @@
                   <a:srgbClr val="FFFF00"/>
                 </a:solidFill>
               </a:rPr>
-              <a:t>MQTT over SSL</a:t>
+              <a:t>MQTT over TLS</a:t>
             </a:r>
           </a:p>
         </p:txBody>
@@ -5409,7 +5409,7 @@
             <a:pPr algn="ctr"/>
             <a:r>
               <a:rPr lang="en-US" dirty="0"/>
-              <a:t>Network</a:t>
+              <a:t>LAN</a:t>
             </a:r>
           </a:p>
         </p:txBody>
@@ -5516,8 +5516,8 @@
         </p:nvSpPr>
         <p:spPr>
           <a:xfrm>
-            <a:off x="1247761" y="3043836"/>
-            <a:ext cx="1015980" cy="276999"/>
+            <a:off x="640399" y="3038656"/>
+            <a:ext cx="1698376" cy="276999"/>
           </a:xfrm>
           <a:prstGeom prst="rect">
             <a:avLst/>
@@ -5543,7 +5543,7 @@
           <a:p>
             <a:r>
               <a:rPr lang="en-US" dirty="0"/>
-              <a:t>Other traffic</a:t>
+              <a:t>Other network traffic</a:t>
             </a:r>
           </a:p>
         </p:txBody>
